--- a/prezentacia/MIP Prezentacia.pptx
+++ b/prezentacia/MIP Prezentacia.pptx
@@ -357,7 +357,7 @@
             <a:fld id="{5586B75A-687E-405C-8A0B-8D00578BA2C3}" type="datetimeFigureOut">
               <a:rPr lang="en-US" dirty="0"/>
               <a:pPr/>
-              <a:t>11/22/2020</a:t>
+              <a:t>12/8/2020</a:t>
             </a:fld>
             <a:endParaRPr lang="en-US" dirty="0"/>
           </a:p>
@@ -527,7 +527,7 @@
             <a:fld id="{5586B75A-687E-405C-8A0B-8D00578BA2C3}" type="datetimeFigureOut">
               <a:rPr lang="en-US" dirty="0"/>
               <a:pPr/>
-              <a:t>11/22/2020</a:t>
+              <a:t>12/8/2020</a:t>
             </a:fld>
             <a:endParaRPr lang="en-US" dirty="0"/>
           </a:p>
@@ -707,7 +707,7 @@
             <a:fld id="{5586B75A-687E-405C-8A0B-8D00578BA2C3}" type="datetimeFigureOut">
               <a:rPr lang="en-US" dirty="0"/>
               <a:pPr/>
-              <a:t>11/22/2020</a:t>
+              <a:t>12/8/2020</a:t>
             </a:fld>
             <a:endParaRPr lang="en-US" dirty="0"/>
           </a:p>
@@ -877,7 +877,7 @@
             <a:fld id="{5586B75A-687E-405C-8A0B-8D00578BA2C3}" type="datetimeFigureOut">
               <a:rPr lang="en-US" dirty="0"/>
               <a:pPr/>
-              <a:t>11/22/2020</a:t>
+              <a:t>12/8/2020</a:t>
             </a:fld>
             <a:endParaRPr lang="en-US" dirty="0"/>
           </a:p>
@@ -1136,7 +1136,7 @@
             <a:fld id="{5586B75A-687E-405C-8A0B-8D00578BA2C3}" type="datetimeFigureOut">
               <a:rPr lang="en-US" dirty="0"/>
               <a:pPr/>
-              <a:t>11/22/2020</a:t>
+              <a:t>12/8/2020</a:t>
             </a:fld>
             <a:endParaRPr lang="en-US" dirty="0"/>
           </a:p>
@@ -1423,7 +1423,7 @@
             <a:fld id="{5586B75A-687E-405C-8A0B-8D00578BA2C3}" type="datetimeFigureOut">
               <a:rPr lang="en-US" dirty="0"/>
               <a:pPr/>
-              <a:t>11/22/2020</a:t>
+              <a:t>12/8/2020</a:t>
             </a:fld>
             <a:endParaRPr lang="en-US" dirty="0"/>
           </a:p>
@@ -1864,7 +1864,7 @@
             <a:fld id="{5586B75A-687E-405C-8A0B-8D00578BA2C3}" type="datetimeFigureOut">
               <a:rPr lang="en-US" dirty="0"/>
               <a:pPr/>
-              <a:t>11/22/2020</a:t>
+              <a:t>12/8/2020</a:t>
             </a:fld>
             <a:endParaRPr lang="en-US" dirty="0"/>
           </a:p>
@@ -1983,7 +1983,7 @@
             <a:fld id="{5586B75A-687E-405C-8A0B-8D00578BA2C3}" type="datetimeFigureOut">
               <a:rPr lang="en-US" dirty="0"/>
               <a:pPr/>
-              <a:t>11/22/2020</a:t>
+              <a:t>12/8/2020</a:t>
             </a:fld>
             <a:endParaRPr lang="en-US" dirty="0"/>
           </a:p>
@@ -2080,7 +2080,7 @@
             <a:fld id="{5586B75A-687E-405C-8A0B-8D00578BA2C3}" type="datetimeFigureOut">
               <a:rPr lang="en-US" dirty="0"/>
               <a:pPr/>
-              <a:t>11/22/2020</a:t>
+              <a:t>12/8/2020</a:t>
             </a:fld>
             <a:endParaRPr lang="en-US" dirty="0"/>
           </a:p>
@@ -2368,7 +2368,7 @@
             <a:fld id="{5586B75A-687E-405C-8A0B-8D00578BA2C3}" type="datetimeFigureOut">
               <a:rPr lang="en-US" dirty="0"/>
               <a:pPr/>
-              <a:t>11/22/2020</a:t>
+              <a:t>12/8/2020</a:t>
             </a:fld>
             <a:endParaRPr lang="en-US" dirty="0"/>
           </a:p>
@@ -2639,7 +2639,7 @@
             <a:fld id="{5586B75A-687E-405C-8A0B-8D00578BA2C3}" type="datetimeFigureOut">
               <a:rPr lang="en-US" dirty="0"/>
               <a:pPr/>
-              <a:t>11/22/2020</a:t>
+              <a:t>12/8/2020</a:t>
             </a:fld>
             <a:endParaRPr lang="en-US" dirty="0"/>
           </a:p>
@@ -2938,7 +2938,7 @@
             <a:fld id="{5586B75A-687E-405C-8A0B-8D00578BA2C3}" type="datetimeFigureOut">
               <a:rPr lang="en-US" dirty="0"/>
               <a:pPr/>
-              <a:t>11/22/2020</a:t>
+              <a:t>12/8/2020</a:t>
             </a:fld>
             <a:endParaRPr lang="en-US" dirty="0"/>
           </a:p>
@@ -3540,7 +3540,7 @@
           <p:cNvPr id="2" name="Nadpis 1">
             <a:extLst>
               <a:ext uri="{FF2B5EF4-FFF2-40B4-BE49-F238E27FC236}">
-                <a16:creationId xmlns:a16="http://schemas.microsoft.com/office/drawing/2014/main" xmlns="" id="{D1E8411F-4D50-4AF7-AF31-FA41A2E03BAE}"/>
+                <a16:creationId xmlns="" xmlns:a16="http://schemas.microsoft.com/office/drawing/2014/main" id="{D1E8411F-4D50-4AF7-AF31-FA41A2E03BAE}"/>
               </a:ext>
             </a:extLst>
           </p:cNvPr>
@@ -3568,7 +3568,7 @@
           <p:cNvPr id="5" name="Obrázok 5">
             <a:extLst>
               <a:ext uri="{FF2B5EF4-FFF2-40B4-BE49-F238E27FC236}">
-                <a16:creationId xmlns:a16="http://schemas.microsoft.com/office/drawing/2014/main" xmlns="" id="{2825A14D-3398-402C-85AC-ABFDF35CF6E3}"/>
+                <a16:creationId xmlns="" xmlns:a16="http://schemas.microsoft.com/office/drawing/2014/main" id="{2825A14D-3398-402C-85AC-ABFDF35CF6E3}"/>
               </a:ext>
             </a:extLst>
           </p:cNvPr>
@@ -3591,7 +3591,7 @@
           <p:cNvPr id="4" name="Zástupný text 3">
             <a:extLst>
               <a:ext uri="{FF2B5EF4-FFF2-40B4-BE49-F238E27FC236}">
-                <a16:creationId xmlns:a16="http://schemas.microsoft.com/office/drawing/2014/main" xmlns="" id="{956109A0-B6E1-4EDD-A38A-DC34189CCEBE}"/>
+                <a16:creationId xmlns="" xmlns:a16="http://schemas.microsoft.com/office/drawing/2014/main" id="{956109A0-B6E1-4EDD-A38A-DC34189CCEBE}"/>
               </a:ext>
             </a:extLst>
           </p:cNvPr>
@@ -3646,7 +3646,7 @@
           <p:cNvPr id="2" name="Nadpis 1">
             <a:extLst>
               <a:ext uri="{FF2B5EF4-FFF2-40B4-BE49-F238E27FC236}">
-                <a16:creationId xmlns:a16="http://schemas.microsoft.com/office/drawing/2014/main" xmlns="" id="{C35584EE-D7A3-4FA0-AA7E-0682BFA555B5}"/>
+                <a16:creationId xmlns="" xmlns:a16="http://schemas.microsoft.com/office/drawing/2014/main" id="{C35584EE-D7A3-4FA0-AA7E-0682BFA555B5}"/>
               </a:ext>
             </a:extLst>
           </p:cNvPr>
@@ -3677,7 +3677,7 @@
           <p:cNvPr id="3" name="Zástupný objekt pre obsah 2">
             <a:extLst>
               <a:ext uri="{FF2B5EF4-FFF2-40B4-BE49-F238E27FC236}">
-                <a16:creationId xmlns:a16="http://schemas.microsoft.com/office/drawing/2014/main" xmlns="" id="{32737A58-A903-48CA-8129-274377C9B5D4}"/>
+                <a16:creationId xmlns="" xmlns:a16="http://schemas.microsoft.com/office/drawing/2014/main" id="{32737A58-A903-48CA-8129-274377C9B5D4}"/>
               </a:ext>
             </a:extLst>
           </p:cNvPr>
@@ -3762,7 +3762,12 @@
             <p:ph type="ctrTitle"/>
           </p:nvPr>
         </p:nvSpPr>
-        <p:spPr/>
+        <p:spPr>
+          <a:xfrm>
+            <a:off x="1100015" y="1808018"/>
+            <a:ext cx="7315200" cy="1020803"/>
+          </a:xfrm>
+        </p:spPr>
         <p:txBody>
           <a:bodyPr/>
           <a:lstStyle/>
@@ -3787,10 +3792,35 @@
         </p:nvSpPr>
         <p:spPr/>
         <p:txBody>
-          <a:bodyPr/>
-          <a:lstStyle/>
-          <a:p>
-            <a:endParaRPr lang="en-GB"/>
+          <a:bodyPr>
+            <a:normAutofit fontScale="85000" lnSpcReduction="20000"/>
+          </a:bodyPr>
+          <a:lstStyle/>
+          <a:p>
+            <a:r>
+              <a:rPr lang="sk-SK" dirty="0" smtClean="0"/>
+              <a:t>Zdroje</a:t>
+            </a:r>
+            <a:r>
+              <a:rPr lang="sk-SK" dirty="0"/>
+              <a:t>: </a:t>
+            </a:r>
+            <a:r>
+              <a:rPr lang="sk-SK" dirty="0">
+                <a:hlinkClick r:id="rId2"/>
+              </a:rPr>
+              <a:t>https://</a:t>
+            </a:r>
+            <a:r>
+              <a:rPr lang="sk-SK" dirty="0" smtClean="0">
+                <a:hlinkClick r:id="rId2"/>
+              </a:rPr>
+              <a:t>www.researchgate.net/publication/305084679_Learning_Programming_through_Games_and_Contests_Overview_Characterisation_and_Discussion</a:t>
+            </a:r>
+            <a:endParaRPr lang="sk-SK" dirty="0" smtClean="0"/>
+          </a:p>
+          <a:p>
+            <a:endParaRPr lang="en-GB" dirty="0"/>
           </a:p>
         </p:txBody>
       </p:sp>
@@ -3829,7 +3859,7 @@
           <p:cNvPr id="2" name="Nadpis 1">
             <a:extLst>
               <a:ext uri="{FF2B5EF4-FFF2-40B4-BE49-F238E27FC236}">
-                <a16:creationId xmlns:a16="http://schemas.microsoft.com/office/drawing/2014/main" xmlns="" id="{D1E8411F-4D50-4AF7-AF31-FA41A2E03BAE}"/>
+                <a16:creationId xmlns="" xmlns:a16="http://schemas.microsoft.com/office/drawing/2014/main" id="{D1E8411F-4D50-4AF7-AF31-FA41A2E03BAE}"/>
               </a:ext>
             </a:extLst>
           </p:cNvPr>
@@ -3857,7 +3887,7 @@
           <p:cNvPr id="5" name="Obrázok 5" descr="Obrázok, na ktorom je hráč, lopta, jedlo, stôl&#10;&#10;Automaticky generovaný popis">
             <a:extLst>
               <a:ext uri="{FF2B5EF4-FFF2-40B4-BE49-F238E27FC236}">
-                <a16:creationId xmlns:a16="http://schemas.microsoft.com/office/drawing/2014/main" xmlns="" id="{4FA405F1-F437-48DC-B0D7-C816986D08DF}"/>
+                <a16:creationId xmlns="" xmlns:a16="http://schemas.microsoft.com/office/drawing/2014/main" id="{4FA405F1-F437-48DC-B0D7-C816986D08DF}"/>
               </a:ext>
             </a:extLst>
           </p:cNvPr>
@@ -3880,7 +3910,7 @@
           <p:cNvPr id="4" name="Zástupný text 3">
             <a:extLst>
               <a:ext uri="{FF2B5EF4-FFF2-40B4-BE49-F238E27FC236}">
-                <a16:creationId xmlns:a16="http://schemas.microsoft.com/office/drawing/2014/main" xmlns="" id="{956109A0-B6E1-4EDD-A38A-DC34189CCEBE}"/>
+                <a16:creationId xmlns="" xmlns:a16="http://schemas.microsoft.com/office/drawing/2014/main" id="{956109A0-B6E1-4EDD-A38A-DC34189CCEBE}"/>
               </a:ext>
             </a:extLst>
           </p:cNvPr>
@@ -3935,7 +3965,7 @@
           <p:cNvPr id="2" name="Nadpis 1">
             <a:extLst>
               <a:ext uri="{FF2B5EF4-FFF2-40B4-BE49-F238E27FC236}">
-                <a16:creationId xmlns:a16="http://schemas.microsoft.com/office/drawing/2014/main" xmlns="" id="{C35584EE-D7A3-4FA0-AA7E-0682BFA555B5}"/>
+                <a16:creationId xmlns="" xmlns:a16="http://schemas.microsoft.com/office/drawing/2014/main" id="{C35584EE-D7A3-4FA0-AA7E-0682BFA555B5}"/>
               </a:ext>
             </a:extLst>
           </p:cNvPr>
@@ -3963,7 +3993,7 @@
           <p:cNvPr id="3" name="Zástupný objekt pre obsah 2">
             <a:extLst>
               <a:ext uri="{FF2B5EF4-FFF2-40B4-BE49-F238E27FC236}">
-                <a16:creationId xmlns:a16="http://schemas.microsoft.com/office/drawing/2014/main" xmlns="" id="{32737A58-A903-48CA-8129-274377C9B5D4}"/>
+                <a16:creationId xmlns="" xmlns:a16="http://schemas.microsoft.com/office/drawing/2014/main" id="{32737A58-A903-48CA-8129-274377C9B5D4}"/>
               </a:ext>
             </a:extLst>
           </p:cNvPr>
@@ -4043,7 +4073,7 @@
           <p:cNvPr id="2" name="Nadpis 1">
             <a:extLst>
               <a:ext uri="{FF2B5EF4-FFF2-40B4-BE49-F238E27FC236}">
-                <a16:creationId xmlns:a16="http://schemas.microsoft.com/office/drawing/2014/main" xmlns="" id="{C35584EE-D7A3-4FA0-AA7E-0682BFA555B5}"/>
+                <a16:creationId xmlns="" xmlns:a16="http://schemas.microsoft.com/office/drawing/2014/main" id="{C35584EE-D7A3-4FA0-AA7E-0682BFA555B5}"/>
               </a:ext>
             </a:extLst>
           </p:cNvPr>
@@ -4076,7 +4106,7 @@
             <p:ph idx="1"/>
             <p:extLst>
               <p:ext uri="{D42A27DB-BD31-4B8C-83A1-F6EECF244321}">
-                <p14:modId xmlns:p14="http://schemas.microsoft.com/office/powerpoint/2010/main" val="4164929657"/>
+                <p14:modId xmlns:p14="http://schemas.microsoft.com/office/powerpoint/2010/main" val="1310783097"/>
               </p:ext>
             </p:extLst>
           </p:nvPr>
@@ -4089,7 +4119,7 @@
           <a:graphicData uri="http://schemas.openxmlformats.org/presentationml/2006/ole">
             <mc:AlternateContent xmlns:mc="http://schemas.openxmlformats.org/markup-compatibility/2006">
               <mc:Choice xmlns:v="urn:schemas-microsoft-com:vml" Requires="v">
-                <p:oleObj spid="_x0000_s1035" name="Hárok" r:id="rId3" imgW="3666984" imgH="1552539" progId="Excel.Sheet.12">
+                <p:oleObj spid="_x0000_s1036" name="Hárok" r:id="rId3" imgW="3666984" imgH="1552539" progId="Excel.Sheet.12">
                   <p:link updateAutomatic="1"/>
                 </p:oleObj>
               </mc:Choice>
@@ -4159,7 +4189,7 @@
           <p:cNvPr id="2" name="Nadpis 1">
             <a:extLst>
               <a:ext uri="{FF2B5EF4-FFF2-40B4-BE49-F238E27FC236}">
-                <a16:creationId xmlns:a16="http://schemas.microsoft.com/office/drawing/2014/main" xmlns="" id="{D1E8411F-4D50-4AF7-AF31-FA41A2E03BAE}"/>
+                <a16:creationId xmlns="" xmlns:a16="http://schemas.microsoft.com/office/drawing/2014/main" id="{D1E8411F-4D50-4AF7-AF31-FA41A2E03BAE}"/>
               </a:ext>
             </a:extLst>
           </p:cNvPr>
@@ -4187,7 +4217,7 @@
           <p:cNvPr id="5" name="Obrázok 5">
             <a:extLst>
               <a:ext uri="{FF2B5EF4-FFF2-40B4-BE49-F238E27FC236}">
-                <a16:creationId xmlns:a16="http://schemas.microsoft.com/office/drawing/2014/main" xmlns="" id="{B9C25D33-B624-430B-B369-FC420FABB17D}"/>
+                <a16:creationId xmlns="" xmlns:a16="http://schemas.microsoft.com/office/drawing/2014/main" id="{B9C25D33-B624-430B-B369-FC420FABB17D}"/>
               </a:ext>
             </a:extLst>
           </p:cNvPr>
@@ -4210,7 +4240,7 @@
           <p:cNvPr id="4" name="Zástupný text 3">
             <a:extLst>
               <a:ext uri="{FF2B5EF4-FFF2-40B4-BE49-F238E27FC236}">
-                <a16:creationId xmlns:a16="http://schemas.microsoft.com/office/drawing/2014/main" xmlns="" id="{956109A0-B6E1-4EDD-A38A-DC34189CCEBE}"/>
+                <a16:creationId xmlns="" xmlns:a16="http://schemas.microsoft.com/office/drawing/2014/main" id="{956109A0-B6E1-4EDD-A38A-DC34189CCEBE}"/>
               </a:ext>
             </a:extLst>
           </p:cNvPr>
@@ -4265,7 +4295,7 @@
           <p:cNvPr id="2" name="Nadpis 1">
             <a:extLst>
               <a:ext uri="{FF2B5EF4-FFF2-40B4-BE49-F238E27FC236}">
-                <a16:creationId xmlns:a16="http://schemas.microsoft.com/office/drawing/2014/main" xmlns="" id="{C35584EE-D7A3-4FA0-AA7E-0682BFA555B5}"/>
+                <a16:creationId xmlns="" xmlns:a16="http://schemas.microsoft.com/office/drawing/2014/main" id="{C35584EE-D7A3-4FA0-AA7E-0682BFA555B5}"/>
               </a:ext>
             </a:extLst>
           </p:cNvPr>
@@ -4296,7 +4326,7 @@
           <p:cNvPr id="3" name="Zástupný objekt pre obsah 2">
             <a:extLst>
               <a:ext uri="{FF2B5EF4-FFF2-40B4-BE49-F238E27FC236}">
-                <a16:creationId xmlns:a16="http://schemas.microsoft.com/office/drawing/2014/main" xmlns="" id="{32737A58-A903-48CA-8129-274377C9B5D4}"/>
+                <a16:creationId xmlns="" xmlns:a16="http://schemas.microsoft.com/office/drawing/2014/main" id="{32737A58-A903-48CA-8129-274377C9B5D4}"/>
               </a:ext>
             </a:extLst>
           </p:cNvPr>
@@ -4376,7 +4406,7 @@
           <p:cNvPr id="2" name="Nadpis 1">
             <a:extLst>
               <a:ext uri="{FF2B5EF4-FFF2-40B4-BE49-F238E27FC236}">
-                <a16:creationId xmlns:a16="http://schemas.microsoft.com/office/drawing/2014/main" xmlns="" id="{D1E8411F-4D50-4AF7-AF31-FA41A2E03BAE}"/>
+                <a16:creationId xmlns="" xmlns:a16="http://schemas.microsoft.com/office/drawing/2014/main" id="{D1E8411F-4D50-4AF7-AF31-FA41A2E03BAE}"/>
               </a:ext>
             </a:extLst>
           </p:cNvPr>
@@ -4404,7 +4434,7 @@
           <p:cNvPr id="5" name="Obrázok 5" descr="Obrázok, na ktorom je mapa&#10;&#10;Automaticky generovaný popis">
             <a:extLst>
               <a:ext uri="{FF2B5EF4-FFF2-40B4-BE49-F238E27FC236}">
-                <a16:creationId xmlns:a16="http://schemas.microsoft.com/office/drawing/2014/main" xmlns="" id="{0E28B291-66C0-47F2-BF0F-F5E5CC805D5E}"/>
+                <a16:creationId xmlns="" xmlns:a16="http://schemas.microsoft.com/office/drawing/2014/main" id="{0E28B291-66C0-47F2-BF0F-F5E5CC805D5E}"/>
               </a:ext>
             </a:extLst>
           </p:cNvPr>
@@ -4427,7 +4457,7 @@
           <p:cNvPr id="4" name="Zástupný text 3">
             <a:extLst>
               <a:ext uri="{FF2B5EF4-FFF2-40B4-BE49-F238E27FC236}">
-                <a16:creationId xmlns:a16="http://schemas.microsoft.com/office/drawing/2014/main" xmlns="" id="{956109A0-B6E1-4EDD-A38A-DC34189CCEBE}"/>
+                <a16:creationId xmlns="" xmlns:a16="http://schemas.microsoft.com/office/drawing/2014/main" id="{956109A0-B6E1-4EDD-A38A-DC34189CCEBE}"/>
               </a:ext>
             </a:extLst>
           </p:cNvPr>
@@ -4482,7 +4512,7 @@
           <p:cNvPr id="2" name="Nadpis 1">
             <a:extLst>
               <a:ext uri="{FF2B5EF4-FFF2-40B4-BE49-F238E27FC236}">
-                <a16:creationId xmlns:a16="http://schemas.microsoft.com/office/drawing/2014/main" xmlns="" id="{C35584EE-D7A3-4FA0-AA7E-0682BFA555B5}"/>
+                <a16:creationId xmlns="" xmlns:a16="http://schemas.microsoft.com/office/drawing/2014/main" id="{C35584EE-D7A3-4FA0-AA7E-0682BFA555B5}"/>
               </a:ext>
             </a:extLst>
           </p:cNvPr>
@@ -4513,7 +4543,7 @@
           <p:cNvPr id="3" name="Zástupný objekt pre obsah 2">
             <a:extLst>
               <a:ext uri="{FF2B5EF4-FFF2-40B4-BE49-F238E27FC236}">
-                <a16:creationId xmlns:a16="http://schemas.microsoft.com/office/drawing/2014/main" xmlns="" id="{32737A58-A903-48CA-8129-274377C9B5D4}"/>
+                <a16:creationId xmlns="" xmlns:a16="http://schemas.microsoft.com/office/drawing/2014/main" id="{32737A58-A903-48CA-8129-274377C9B5D4}"/>
               </a:ext>
             </a:extLst>
           </p:cNvPr>
@@ -4593,7 +4623,7 @@
           <p:cNvPr id="2" name="Nadpis 1">
             <a:extLst>
               <a:ext uri="{FF2B5EF4-FFF2-40B4-BE49-F238E27FC236}">
-                <a16:creationId xmlns:a16="http://schemas.microsoft.com/office/drawing/2014/main" xmlns="" id="{C35584EE-D7A3-4FA0-AA7E-0682BFA555B5}"/>
+                <a16:creationId xmlns="" xmlns:a16="http://schemas.microsoft.com/office/drawing/2014/main" id="{C35584EE-D7A3-4FA0-AA7E-0682BFA555B5}"/>
               </a:ext>
             </a:extLst>
           </p:cNvPr>
@@ -4624,7 +4654,7 @@
           <p:cNvPr id="9" name="Obrázok 9">
             <a:extLst>
               <a:ext uri="{FF2B5EF4-FFF2-40B4-BE49-F238E27FC236}">
-                <a16:creationId xmlns:a16="http://schemas.microsoft.com/office/drawing/2014/main" xmlns="" id="{32D461E0-15D3-4F39-B207-E8EC6219D673}"/>
+                <a16:creationId xmlns="" xmlns:a16="http://schemas.microsoft.com/office/drawing/2014/main" id="{32D461E0-15D3-4F39-B207-E8EC6219D673}"/>
               </a:ext>
             </a:extLst>
           </p:cNvPr>
